--- a/Bluetron_Hack the Future.pptx
+++ b/Bluetron_Hack the Future.pptx
@@ -6,26 +6,28 @@
     <p:sldMasterId id="2147483794" r:id="rId5"/>
   </p:sldMasterIdLst>
   <p:notesMasterIdLst>
-    <p:notesMasterId r:id="rId20"/>
+    <p:notesMasterId r:id="rId22"/>
   </p:notesMasterIdLst>
   <p:handoutMasterIdLst>
-    <p:handoutMasterId r:id="rId21"/>
+    <p:handoutMasterId r:id="rId23"/>
   </p:handoutMasterIdLst>
   <p:sldIdLst>
     <p:sldId id="491" r:id="rId6"/>
     <p:sldId id="469" r:id="rId7"/>
     <p:sldId id="472" r:id="rId8"/>
     <p:sldId id="492" r:id="rId9"/>
-    <p:sldId id="494" r:id="rId10"/>
-    <p:sldId id="488" r:id="rId11"/>
-    <p:sldId id="489" r:id="rId12"/>
-    <p:sldId id="499" r:id="rId13"/>
-    <p:sldId id="490" r:id="rId14"/>
-    <p:sldId id="495" r:id="rId15"/>
-    <p:sldId id="496" r:id="rId16"/>
-    <p:sldId id="497" r:id="rId17"/>
-    <p:sldId id="498" r:id="rId18"/>
-    <p:sldId id="481" r:id="rId19"/>
+    <p:sldId id="501" r:id="rId10"/>
+    <p:sldId id="494" r:id="rId11"/>
+    <p:sldId id="500" r:id="rId12"/>
+    <p:sldId id="488" r:id="rId13"/>
+    <p:sldId id="489" r:id="rId14"/>
+    <p:sldId id="499" r:id="rId15"/>
+    <p:sldId id="490" r:id="rId16"/>
+    <p:sldId id="495" r:id="rId17"/>
+    <p:sldId id="496" r:id="rId18"/>
+    <p:sldId id="497" r:id="rId19"/>
+    <p:sldId id="498" r:id="rId20"/>
+    <p:sldId id="481" r:id="rId21"/>
   </p:sldIdLst>
   <p:sldSz cx="9144000" cy="5143500" type="screen16x9"/>
   <p:notesSz cx="7010400" cy="9236075"/>
@@ -1274,6 +1276,96 @@
             <a:spLocks noGrp="1"/>
           </p:cNvSpPr>
           <p:nvPr>
+            <p:ph type="sldNum" sz="quarter" idx="5"/>
+          </p:nvPr>
+        </p:nvSpPr>
+        <p:spPr/>
+        <p:txBody>
+          <a:bodyPr/>
+          <a:lstStyle/>
+          <a:p>
+            <a:pPr>
+              <a:defRPr/>
+            </a:pPr>
+            <a:fld id="{C0C428FF-E08F-45DE-BAC9-258D4444EC10}" type="slidenum">
+              <a:rPr lang="en-US" smtClean="0"/>
+              <a:pPr>
+                <a:defRPr/>
+              </a:pPr>
+              <a:t>5</a:t>
+            </a:fld>
+            <a:endParaRPr lang="en-US" dirty="0"/>
+          </a:p>
+        </p:txBody>
+      </p:sp>
+    </p:spTree>
+    <p:extLst>
+      <p:ext uri="{BB962C8B-B14F-4D97-AF65-F5344CB8AC3E}">
+        <p14:creationId xmlns:p14="http://schemas.microsoft.com/office/powerpoint/2010/main" val="1513659154"/>
+      </p:ext>
+    </p:extLst>
+  </p:cSld>
+  <p:clrMapOvr>
+    <a:masterClrMapping/>
+  </p:clrMapOvr>
+</p:notes>
+</file>
+
+<file path=ppt/notesSlides/notesSlide4.xml><?xml version="1.0" encoding="utf-8"?>
+<p:notes xmlns:a="http://schemas.openxmlformats.org/drawingml/2006/main" xmlns:r="http://schemas.openxmlformats.org/officeDocument/2006/relationships" xmlns:p="http://schemas.openxmlformats.org/presentationml/2006/main">
+  <p:cSld>
+    <p:spTree>
+      <p:nvGrpSpPr>
+        <p:cNvPr id="1" name=""/>
+        <p:cNvGrpSpPr/>
+        <p:nvPr/>
+      </p:nvGrpSpPr>
+      <p:grpSpPr>
+        <a:xfrm>
+          <a:off x="0" y="0"/>
+          <a:ext cx="0" cy="0"/>
+          <a:chOff x="0" y="0"/>
+          <a:chExt cx="0" cy="0"/>
+        </a:xfrm>
+      </p:grpSpPr>
+      <p:sp>
+        <p:nvSpPr>
+          <p:cNvPr id="2" name="Slide Image Placeholder 1"/>
+          <p:cNvSpPr>
+            <a:spLocks noGrp="1" noRot="1" noChangeAspect="1"/>
+          </p:cNvSpPr>
+          <p:nvPr>
+            <p:ph type="sldImg"/>
+          </p:nvPr>
+        </p:nvSpPr>
+        <p:spPr/>
+      </p:sp>
+      <p:sp>
+        <p:nvSpPr>
+          <p:cNvPr id="3" name="Notes Placeholder 2"/>
+          <p:cNvSpPr>
+            <a:spLocks noGrp="1"/>
+          </p:cNvSpPr>
+          <p:nvPr>
+            <p:ph type="body" idx="1"/>
+          </p:nvPr>
+        </p:nvSpPr>
+        <p:spPr/>
+        <p:txBody>
+          <a:bodyPr/>
+          <a:lstStyle/>
+          <a:p>
+            <a:endParaRPr lang="en-IN" dirty="0"/>
+          </a:p>
+        </p:txBody>
+      </p:sp>
+      <p:sp>
+        <p:nvSpPr>
+          <p:cNvPr id="4" name="Slide Number Placeholder 3"/>
+          <p:cNvSpPr>
+            <a:spLocks noGrp="1"/>
+          </p:cNvSpPr>
+          <p:nvPr>
             <p:ph type="sldNum" sz="quarter" idx="10"/>
           </p:nvPr>
         </p:nvSpPr>
@@ -1290,7 +1382,7 @@
               <a:pPr>
                 <a:defRPr/>
               </a:pPr>
-              <a:t>9</a:t>
+              <a:t>11</a:t>
             </a:fld>
             <a:endParaRPr lang="en-US" dirty="0"/>
           </a:p>
@@ -1443,7 +1535,7 @@
           <a:p>
             <a:fld id="{C764DE79-268F-4C1A-8933-263129D2AF90}" type="datetimeFigureOut">
               <a:rPr lang="en-US" dirty="0"/>
-              <a:t>9/6/2020</a:t>
+              <a:t>9/7/2020</a:t>
             </a:fld>
             <a:endParaRPr lang="en-US" dirty="0"/>
           </a:p>
@@ -1539,7 +1631,7 @@
           <a:p>
             <a:fld id="{C764DE79-268F-4C1A-8933-263129D2AF90}" type="datetimeFigureOut">
               <a:rPr lang="en-US" dirty="0"/>
-              <a:t>9/6/2020</a:t>
+              <a:t>9/7/2020</a:t>
             </a:fld>
             <a:endParaRPr lang="en-US" dirty="0"/>
           </a:p>
@@ -1817,7 +1909,7 @@
           <a:p>
             <a:fld id="{C764DE79-268F-4C1A-8933-263129D2AF90}" type="datetimeFigureOut">
               <a:rPr lang="en-US" dirty="0"/>
-              <a:t>9/6/2020</a:t>
+              <a:t>9/7/2020</a:t>
             </a:fld>
             <a:endParaRPr lang="en-US" dirty="0"/>
           </a:p>
@@ -2075,7 +2167,7 @@
           <a:p>
             <a:fld id="{C764DE79-268F-4C1A-8933-263129D2AF90}" type="datetimeFigureOut">
               <a:rPr lang="en-US" dirty="0"/>
-              <a:t>9/6/2020</a:t>
+              <a:t>9/7/2020</a:t>
             </a:fld>
             <a:endParaRPr lang="en-US" dirty="0"/>
           </a:p>
@@ -2246,7 +2338,7 @@
           <a:p>
             <a:fld id="{C764DE79-268F-4C1A-8933-263129D2AF90}" type="datetimeFigureOut">
               <a:rPr lang="en-US" dirty="0"/>
-              <a:t>9/6/2020</a:t>
+              <a:t>9/7/2020</a:t>
             </a:fld>
             <a:endParaRPr lang="en-US" dirty="0"/>
           </a:p>
@@ -2427,7 +2519,7 @@
           <a:p>
             <a:fld id="{C764DE79-268F-4C1A-8933-263129D2AF90}" type="datetimeFigureOut">
               <a:rPr lang="en-US" dirty="0"/>
-              <a:t>9/6/2020</a:t>
+              <a:t>9/7/2020</a:t>
             </a:fld>
             <a:endParaRPr lang="en-US" dirty="0"/>
           </a:p>
@@ -3254,7 +3346,7 @@
           <a:p>
             <a:fld id="{C764DE79-268F-4C1A-8933-263129D2AF90}" type="datetimeFigureOut">
               <a:rPr lang="en-US" dirty="0"/>
-              <a:t>9/6/2020</a:t>
+              <a:t>9/7/2020</a:t>
             </a:fld>
             <a:endParaRPr lang="en-US" dirty="0"/>
           </a:p>
@@ -3425,7 +3517,7 @@
           <a:p>
             <a:fld id="{C764DE79-268F-4C1A-8933-263129D2AF90}" type="datetimeFigureOut">
               <a:rPr lang="en-US" dirty="0"/>
-              <a:t>9/6/2020</a:t>
+              <a:t>9/7/2020</a:t>
             </a:fld>
             <a:endParaRPr lang="en-US" dirty="0"/>
           </a:p>
@@ -3672,7 +3764,7 @@
           <a:p>
             <a:fld id="{C764DE79-268F-4C1A-8933-263129D2AF90}" type="datetimeFigureOut">
               <a:rPr lang="en-US" dirty="0"/>
-              <a:t>9/6/2020</a:t>
+              <a:t>9/7/2020</a:t>
             </a:fld>
             <a:endParaRPr lang="en-US" dirty="0"/>
           </a:p>
@@ -3905,7 +3997,7 @@
           <a:p>
             <a:fld id="{C764DE79-268F-4C1A-8933-263129D2AF90}" type="datetimeFigureOut">
               <a:rPr lang="en-US" dirty="0"/>
-              <a:t>9/6/2020</a:t>
+              <a:t>9/7/2020</a:t>
             </a:fld>
             <a:endParaRPr lang="en-US" dirty="0"/>
           </a:p>
@@ -4273,7 +4365,7 @@
           <a:p>
             <a:fld id="{C764DE79-268F-4C1A-8933-263129D2AF90}" type="datetimeFigureOut">
               <a:rPr lang="en-US" dirty="0"/>
-              <a:t>9/6/2020</a:t>
+              <a:t>9/7/2020</a:t>
             </a:fld>
             <a:endParaRPr lang="en-US" dirty="0"/>
           </a:p>
@@ -18964,7 +19056,7 @@
           <a:p>
             <a:fld id="{C764DE79-268F-4C1A-8933-263129D2AF90}" type="datetimeFigureOut">
               <a:rPr lang="en-US" dirty="0"/>
-              <a:t>9/6/2020</a:t>
+              <a:t>9/7/2020</a:t>
             </a:fld>
             <a:endParaRPr lang="en-US" dirty="0"/>
           </a:p>
@@ -33637,6 +33729,303 @@
       </p:grpSpPr>
       <p:sp>
         <p:nvSpPr>
+          <p:cNvPr id="3" name="Slide Number Placeholder 2">
+            <a:extLst>
+              <a:ext uri="{FF2B5EF4-FFF2-40B4-BE49-F238E27FC236}">
+                <a16:creationId xmlns:a16="http://schemas.microsoft.com/office/drawing/2014/main" id="{C4D5B0DF-8DE8-4B71-A5B3-ABAD426B6B3C}"/>
+              </a:ext>
+            </a:extLst>
+          </p:cNvPr>
+          <p:cNvSpPr>
+            <a:spLocks noGrp="1"/>
+          </p:cNvSpPr>
+          <p:nvPr>
+            <p:ph type="sldNum" sz="quarter" idx="12"/>
+          </p:nvPr>
+        </p:nvSpPr>
+        <p:spPr/>
+        <p:txBody>
+          <a:bodyPr/>
+          <a:lstStyle/>
+          <a:p>
+            <a:fld id="{E2AE00C7-03E7-4577-B962-8354EB140FE3}" type="slidenum">
+              <a:rPr lang="en-US" smtClean="0"/>
+              <a:pPr/>
+              <a:t>10</a:t>
+            </a:fld>
+            <a:endParaRPr lang="en-US" dirty="0"/>
+          </a:p>
+        </p:txBody>
+      </p:sp>
+      <p:pic>
+        <p:nvPicPr>
+          <p:cNvPr id="4" name="Picture 3">
+            <a:extLst>
+              <a:ext uri="{FF2B5EF4-FFF2-40B4-BE49-F238E27FC236}">
+                <a16:creationId xmlns:a16="http://schemas.microsoft.com/office/drawing/2014/main" id="{42B979D2-BEED-49B1-BDA7-9A8717400023}"/>
+              </a:ext>
+            </a:extLst>
+          </p:cNvPr>
+          <p:cNvPicPr>
+            <a:picLocks noChangeAspect="1"/>
+          </p:cNvPicPr>
+          <p:nvPr/>
+        </p:nvPicPr>
+        <p:blipFill>
+          <a:blip r:embed="rId2"/>
+          <a:stretch>
+            <a:fillRect/>
+          </a:stretch>
+        </p:blipFill>
+        <p:spPr>
+          <a:xfrm>
+            <a:off x="254775" y="1385381"/>
+            <a:ext cx="8634449" cy="2372737"/>
+          </a:xfrm>
+          <a:prstGeom prst="rect">
+            <a:avLst/>
+          </a:prstGeom>
+        </p:spPr>
+      </p:pic>
+      <p:sp>
+        <p:nvSpPr>
+          <p:cNvPr id="5" name="TextBox 4">
+            <a:extLst>
+              <a:ext uri="{FF2B5EF4-FFF2-40B4-BE49-F238E27FC236}">
+                <a16:creationId xmlns:a16="http://schemas.microsoft.com/office/drawing/2014/main" id="{76D38362-0A3E-41B8-87C1-46862116FD03}"/>
+              </a:ext>
+            </a:extLst>
+          </p:cNvPr>
+          <p:cNvSpPr txBox="1"/>
+          <p:nvPr/>
+        </p:nvSpPr>
+        <p:spPr>
+          <a:xfrm>
+            <a:off x="375401" y="696143"/>
+            <a:ext cx="8058148" cy="369332"/>
+          </a:xfrm>
+          <a:prstGeom prst="rect">
+            <a:avLst/>
+          </a:prstGeom>
+        </p:spPr>
+        <p:style>
+          <a:lnRef idx="0">
+            <a:schemeClr val="dk1"/>
+          </a:lnRef>
+          <a:fillRef idx="3">
+            <a:schemeClr val="dk1"/>
+          </a:fillRef>
+          <a:effectRef idx="3">
+            <a:schemeClr val="dk1"/>
+          </a:effectRef>
+          <a:fontRef idx="minor">
+            <a:schemeClr val="lt1"/>
+          </a:fontRef>
+        </p:style>
+        <p:txBody>
+          <a:bodyPr wrap="square" rtlCol="0" anchor="ctr">
+            <a:spAutoFit/>
+          </a:bodyPr>
+          <a:lstStyle/>
+          <a:p>
+            <a:r>
+              <a:rPr lang="en-US" sz="1800" dirty="0">
+                <a:latin typeface="+mn-lt"/>
+              </a:rPr>
+              <a:t>Screenshots(The Frontend) </a:t>
+            </a:r>
+          </a:p>
+        </p:txBody>
+      </p:sp>
+    </p:spTree>
+    <p:extLst>
+      <p:ext uri="{BB962C8B-B14F-4D97-AF65-F5344CB8AC3E}">
+        <p14:creationId xmlns:p14="http://schemas.microsoft.com/office/powerpoint/2010/main" val="310595405"/>
+      </p:ext>
+    </p:extLst>
+  </p:cSld>
+  <p:clrMapOvr>
+    <a:masterClrMapping/>
+  </p:clrMapOvr>
+</p:sld>
+</file>
+
+<file path=ppt/slides/slide11.xml><?xml version="1.0" encoding="utf-8"?>
+<p:sld xmlns:a="http://schemas.openxmlformats.org/drawingml/2006/main" xmlns:r="http://schemas.openxmlformats.org/officeDocument/2006/relationships" xmlns:p="http://schemas.openxmlformats.org/presentationml/2006/main">
+  <p:cSld>
+    <p:spTree>
+      <p:nvGrpSpPr>
+        <p:cNvPr id="1" name=""/>
+        <p:cNvGrpSpPr/>
+        <p:nvPr/>
+      </p:nvGrpSpPr>
+      <p:grpSpPr>
+        <a:xfrm>
+          <a:off x="0" y="0"/>
+          <a:ext cx="0" cy="0"/>
+          <a:chOff x="0" y="0"/>
+          <a:chExt cx="0" cy="0"/>
+        </a:xfrm>
+      </p:grpSpPr>
+      <p:sp>
+        <p:nvSpPr>
+          <p:cNvPr id="5" name="TextBox 4">
+            <a:extLst>
+              <a:ext uri="{FF2B5EF4-FFF2-40B4-BE49-F238E27FC236}">
+                <a16:creationId xmlns:a16="http://schemas.microsoft.com/office/drawing/2014/main" id="{83CC51E3-E419-4AB1-8316-5C2835430B1C}"/>
+              </a:ext>
+            </a:extLst>
+          </p:cNvPr>
+          <p:cNvSpPr txBox="1"/>
+          <p:nvPr/>
+        </p:nvSpPr>
+        <p:spPr>
+          <a:xfrm>
+            <a:off x="542925" y="179457"/>
+            <a:ext cx="8058148" cy="369332"/>
+          </a:xfrm>
+          <a:prstGeom prst="rect">
+            <a:avLst/>
+          </a:prstGeom>
+        </p:spPr>
+        <p:style>
+          <a:lnRef idx="0">
+            <a:schemeClr val="dk1"/>
+          </a:lnRef>
+          <a:fillRef idx="3">
+            <a:schemeClr val="dk1"/>
+          </a:fillRef>
+          <a:effectRef idx="3">
+            <a:schemeClr val="dk1"/>
+          </a:effectRef>
+          <a:fontRef idx="minor">
+            <a:schemeClr val="lt1"/>
+          </a:fontRef>
+        </p:style>
+        <p:txBody>
+          <a:bodyPr wrap="square" rtlCol="0" anchor="ctr">
+            <a:spAutoFit/>
+          </a:bodyPr>
+          <a:lstStyle/>
+          <a:p>
+            <a:r>
+              <a:rPr lang="en-US" sz="1800" dirty="0">
+                <a:latin typeface="+mn-lt"/>
+              </a:rPr>
+              <a:t>Screenshots(Workflow Process) </a:t>
+            </a:r>
+          </a:p>
+        </p:txBody>
+      </p:sp>
+      <p:sp>
+        <p:nvSpPr>
+          <p:cNvPr id="14" name="Rectangle 13">
+            <a:extLst>
+              <a:ext uri="{FF2B5EF4-FFF2-40B4-BE49-F238E27FC236}">
+                <a16:creationId xmlns:a16="http://schemas.microsoft.com/office/drawing/2014/main" id="{A33384C4-2658-4867-9748-8E3E227C174C}"/>
+              </a:ext>
+            </a:extLst>
+          </p:cNvPr>
+          <p:cNvSpPr/>
+          <p:nvPr/>
+        </p:nvSpPr>
+        <p:spPr>
+          <a:xfrm>
+            <a:off x="533398" y="1126845"/>
+            <a:ext cx="8067675" cy="3424642"/>
+          </a:xfrm>
+          <a:prstGeom prst="rect">
+            <a:avLst/>
+          </a:prstGeom>
+        </p:spPr>
+        <p:style>
+          <a:lnRef idx="2">
+            <a:schemeClr val="accent5"/>
+          </a:lnRef>
+          <a:fillRef idx="1">
+            <a:schemeClr val="lt1"/>
+          </a:fillRef>
+          <a:effectRef idx="0">
+            <a:schemeClr val="accent5"/>
+          </a:effectRef>
+          <a:fontRef idx="minor">
+            <a:schemeClr val="dk1"/>
+          </a:fontRef>
+        </p:style>
+        <p:txBody>
+          <a:bodyPr rtlCol="0" anchor="t"/>
+          <a:lstStyle/>
+          <a:p>
+            <a:pPr marL="171450" indent="-171450" algn="just">
+              <a:buFont typeface="Arial" panose="020B0604020202020204" pitchFamily="34" charset="0"/>
+              <a:buChar char="•"/>
+            </a:pPr>
+            <a:endParaRPr lang="en-IN" sz="1100" i="1" dirty="0"/>
+          </a:p>
+        </p:txBody>
+      </p:sp>
+      <p:pic>
+        <p:nvPicPr>
+          <p:cNvPr id="2" name="Picture 1"/>
+          <p:cNvPicPr>
+            <a:picLocks noChangeAspect="1"/>
+          </p:cNvPicPr>
+          <p:nvPr/>
+        </p:nvPicPr>
+        <p:blipFill>
+          <a:blip r:embed="rId3">
+            <a:extLst>
+              <a:ext uri="{28A0092B-C50C-407E-A947-70E740481C1C}">
+                <a14:useLocalDpi xmlns:a14="http://schemas.microsoft.com/office/drawing/2010/main" val="0"/>
+              </a:ext>
+            </a:extLst>
+          </a:blip>
+          <a:stretch>
+            <a:fillRect/>
+          </a:stretch>
+        </p:blipFill>
+        <p:spPr>
+          <a:xfrm>
+            <a:off x="542925" y="1126845"/>
+            <a:ext cx="8058148" cy="3424642"/>
+          </a:xfrm>
+          <a:prstGeom prst="rect">
+            <a:avLst/>
+          </a:prstGeom>
+        </p:spPr>
+      </p:pic>
+    </p:spTree>
+    <p:extLst>
+      <p:ext uri="{BB962C8B-B14F-4D97-AF65-F5344CB8AC3E}">
+        <p14:creationId xmlns:p14="http://schemas.microsoft.com/office/powerpoint/2010/main" val="2442003819"/>
+      </p:ext>
+    </p:extLst>
+  </p:cSld>
+  <p:clrMapOvr>
+    <a:masterClrMapping/>
+  </p:clrMapOvr>
+</p:sld>
+</file>
+
+<file path=ppt/slides/slide12.xml><?xml version="1.0" encoding="utf-8"?>
+<p:sld xmlns:a="http://schemas.openxmlformats.org/drawingml/2006/main" xmlns:r="http://schemas.openxmlformats.org/officeDocument/2006/relationships" xmlns:p="http://schemas.openxmlformats.org/presentationml/2006/main">
+  <p:cSld>
+    <p:spTree>
+      <p:nvGrpSpPr>
+        <p:cNvPr id="1" name=""/>
+        <p:cNvGrpSpPr/>
+        <p:nvPr/>
+      </p:nvGrpSpPr>
+      <p:grpSpPr>
+        <a:xfrm>
+          <a:off x="0" y="0"/>
+          <a:ext cx="0" cy="0"/>
+          <a:chOff x="0" y="0"/>
+          <a:chExt cx="0" cy="0"/>
+        </a:xfrm>
+      </p:grpSpPr>
+      <p:sp>
+        <p:nvSpPr>
           <p:cNvPr id="5" name="TextBox 4">
             <a:extLst>
               <a:ext uri="{FF2B5EF4-FFF2-40B4-BE49-F238E27FC236}">
@@ -33775,7 +34164,7 @@
 </p:sld>
 </file>
 
-<file path=ppt/slides/slide11.xml><?xml version="1.0" encoding="utf-8"?>
+<file path=ppt/slides/slide13.xml><?xml version="1.0" encoding="utf-8"?>
 <p:sld xmlns:a="http://schemas.openxmlformats.org/drawingml/2006/main" xmlns:r="http://schemas.openxmlformats.org/officeDocument/2006/relationships" xmlns:p="http://schemas.openxmlformats.org/presentationml/2006/main">
   <p:cSld>
     <p:spTree>
@@ -33932,7 +34321,7 @@
 </p:sld>
 </file>
 
-<file path=ppt/slides/slide12.xml><?xml version="1.0" encoding="utf-8"?>
+<file path=ppt/slides/slide14.xml><?xml version="1.0" encoding="utf-8"?>
 <p:sld xmlns:a="http://schemas.openxmlformats.org/drawingml/2006/main" xmlns:r="http://schemas.openxmlformats.org/officeDocument/2006/relationships" xmlns:p="http://schemas.openxmlformats.org/presentationml/2006/main">
   <p:cSld>
     <p:spTree>
@@ -34089,7 +34478,7 @@
 </p:sld>
 </file>
 
-<file path=ppt/slides/slide13.xml><?xml version="1.0" encoding="utf-8"?>
+<file path=ppt/slides/slide15.xml><?xml version="1.0" encoding="utf-8"?>
 <p:sld xmlns:a="http://schemas.openxmlformats.org/drawingml/2006/main" xmlns:r="http://schemas.openxmlformats.org/officeDocument/2006/relationships" xmlns:p="http://schemas.openxmlformats.org/presentationml/2006/main">
   <p:cSld>
     <p:spTree>
@@ -34246,7 +34635,7 @@
 </p:sld>
 </file>
 
-<file path=ppt/slides/slide14.xml><?xml version="1.0" encoding="utf-8"?>
+<file path=ppt/slides/slide16.xml><?xml version="1.0" encoding="utf-8"?>
 <p:sld xmlns:a="http://schemas.openxmlformats.org/drawingml/2006/main" xmlns:r="http://schemas.openxmlformats.org/officeDocument/2006/relationships" xmlns:p="http://schemas.openxmlformats.org/presentationml/2006/main">
   <p:cSld>
     <p:spTree>
@@ -35688,6 +36077,268 @@
       </p:grpSpPr>
       <p:sp>
         <p:nvSpPr>
+          <p:cNvPr id="4" name="TextBox 3">
+            <a:extLst>
+              <a:ext uri="{FF2B5EF4-FFF2-40B4-BE49-F238E27FC236}">
+                <a16:creationId xmlns:a16="http://schemas.microsoft.com/office/drawing/2014/main" id="{83CC51E3-E419-4AB1-8316-5C2835430B1C}"/>
+              </a:ext>
+            </a:extLst>
+          </p:cNvPr>
+          <p:cNvSpPr txBox="1"/>
+          <p:nvPr/>
+        </p:nvSpPr>
+        <p:spPr>
+          <a:xfrm>
+            <a:off x="542925" y="140135"/>
+            <a:ext cx="8058148" cy="369332"/>
+          </a:xfrm>
+          <a:prstGeom prst="rect">
+            <a:avLst/>
+          </a:prstGeom>
+        </p:spPr>
+        <p:style>
+          <a:lnRef idx="0">
+            <a:schemeClr val="dk1"/>
+          </a:lnRef>
+          <a:fillRef idx="3">
+            <a:schemeClr val="dk1"/>
+          </a:fillRef>
+          <a:effectRef idx="3">
+            <a:schemeClr val="dk1"/>
+          </a:effectRef>
+          <a:fontRef idx="minor">
+            <a:schemeClr val="lt1"/>
+          </a:fontRef>
+        </p:style>
+        <p:txBody>
+          <a:bodyPr wrap="square" rtlCol="0" anchor="ctr">
+            <a:spAutoFit/>
+          </a:bodyPr>
+          <a:lstStyle/>
+          <a:p>
+            <a:r>
+              <a:rPr lang="en-US" sz="1800" dirty="0"/>
+              <a:t>Salient features of Solution</a:t>
+            </a:r>
+            <a:endParaRPr lang="en-US" sz="1800" dirty="0">
+              <a:latin typeface="+mn-lt"/>
+            </a:endParaRPr>
+          </a:p>
+        </p:txBody>
+      </p:sp>
+      <p:sp>
+        <p:nvSpPr>
+          <p:cNvPr id="6" name="Rectangle 5">
+            <a:extLst>
+              <a:ext uri="{FF2B5EF4-FFF2-40B4-BE49-F238E27FC236}">
+                <a16:creationId xmlns:a16="http://schemas.microsoft.com/office/drawing/2014/main" id="{CCB79F84-A71F-4C90-A599-76F7E8C3FDCA}"/>
+              </a:ext>
+            </a:extLst>
+          </p:cNvPr>
+          <p:cNvSpPr/>
+          <p:nvPr/>
+        </p:nvSpPr>
+        <p:spPr>
+          <a:xfrm>
+            <a:off x="533398" y="698015"/>
+            <a:ext cx="8067675" cy="3876766"/>
+          </a:xfrm>
+          <a:prstGeom prst="rect">
+            <a:avLst/>
+          </a:prstGeom>
+        </p:spPr>
+        <p:style>
+          <a:lnRef idx="2">
+            <a:schemeClr val="accent5"/>
+          </a:lnRef>
+          <a:fillRef idx="1">
+            <a:schemeClr val="lt1"/>
+          </a:fillRef>
+          <a:effectRef idx="0">
+            <a:schemeClr val="accent5"/>
+          </a:effectRef>
+          <a:fontRef idx="minor">
+            <a:schemeClr val="dk1"/>
+          </a:fontRef>
+        </p:style>
+        <p:txBody>
+          <a:bodyPr rtlCol="0" anchor="t"/>
+          <a:lstStyle/>
+          <a:p>
+            <a:pPr algn="just"/>
+            <a:r>
+              <a:rPr lang="en-US" sz="1400" b="1" u="sng" dirty="0"/>
+              <a:t>Use Cases</a:t>
+            </a:r>
+          </a:p>
+          <a:p>
+            <a:pPr marL="285750" indent="-285750" algn="just">
+              <a:buFont typeface="Arial" panose="020B0604020202020204" pitchFamily="34" charset="0"/>
+              <a:buChar char="•"/>
+            </a:pPr>
+            <a:r>
+              <a:rPr lang="en-US" dirty="0"/>
+              <a:t>The solution framework provides sophisticated looping, conditionals, dependency-management with DAG’s </a:t>
+            </a:r>
+            <a:r>
+              <a:rPr lang="en-IN" dirty="0"/>
+              <a:t>(Directed Acyclic Graph</a:t>
+            </a:r>
+            <a:r>
+              <a:rPr lang="en-US" dirty="0"/>
+              <a:t> etc. which facilitates increased flexibility in deploying application stacks and flexibility of configuration and dependencies. With Argo, users can define dependencies, programmatically construct complex workflows, artifact management for linking the output of any step as an input to subsequent steps and monitor scheduled jobs in an easy to read UI.</a:t>
+            </a:r>
+          </a:p>
+          <a:p>
+            <a:pPr marL="285750" indent="-285750" algn="just">
+              <a:buFont typeface="Arial" panose="020B0604020202020204" pitchFamily="34" charset="0"/>
+              <a:buChar char="•"/>
+            </a:pPr>
+            <a:endParaRPr lang="en-US" i="1" dirty="0"/>
+          </a:p>
+          <a:p>
+            <a:pPr marL="285750" indent="-285750" algn="just">
+              <a:buFont typeface="Arial" panose="020B0604020202020204" pitchFamily="34" charset="0"/>
+              <a:buChar char="•"/>
+            </a:pPr>
+            <a:r>
+              <a:rPr lang="en-US" dirty="0"/>
+              <a:t>Resource utilization on requirement basis. Minimizing the resource overhead eventually minimizes the cost for infrastructure provisioning for required containers.</a:t>
+            </a:r>
+          </a:p>
+          <a:p>
+            <a:pPr marL="285750" indent="-285750" algn="just">
+              <a:buFont typeface="Arial" panose="020B0604020202020204" pitchFamily="34" charset="0"/>
+              <a:buChar char="•"/>
+            </a:pPr>
+            <a:endParaRPr lang="en-US" dirty="0"/>
+          </a:p>
+          <a:p>
+            <a:pPr marL="285750" indent="-285750" algn="just">
+              <a:buFont typeface="Arial" panose="020B0604020202020204" pitchFamily="34" charset="0"/>
+              <a:buChar char="•"/>
+            </a:pPr>
+            <a:r>
+              <a:rPr lang="en-US" dirty="0"/>
+              <a:t>Event based trigger to dynamically schedule containers.</a:t>
+            </a:r>
+          </a:p>
+          <a:p>
+            <a:pPr marL="285750" indent="-285750" algn="just">
+              <a:buFont typeface="Arial" panose="020B0604020202020204" pitchFamily="34" charset="0"/>
+              <a:buChar char="•"/>
+            </a:pPr>
+            <a:endParaRPr lang="en-US" dirty="0"/>
+          </a:p>
+          <a:p>
+            <a:pPr marL="285750" indent="-285750" algn="just">
+              <a:buFont typeface="Arial" panose="020B0604020202020204" pitchFamily="34" charset="0"/>
+              <a:buChar char="•"/>
+            </a:pPr>
+            <a:r>
+              <a:rPr lang="en-US" dirty="0"/>
+              <a:t>The solution is the best fit for container native CI/CD requirements.</a:t>
+            </a:r>
+          </a:p>
+          <a:p>
+            <a:pPr marL="285750" indent="-285750" algn="just">
+              <a:buFont typeface="Arial" panose="020B0604020202020204" pitchFamily="34" charset="0"/>
+              <a:buChar char="•"/>
+            </a:pPr>
+            <a:endParaRPr lang="en-US" dirty="0"/>
+          </a:p>
+          <a:p>
+            <a:pPr marL="285750" indent="-285750" algn="just">
+              <a:buFont typeface="Arial" panose="020B0604020202020204" pitchFamily="34" charset="0"/>
+              <a:buChar char="•"/>
+            </a:pPr>
+            <a:r>
+              <a:rPr lang="en-US" dirty="0"/>
+              <a:t>Complete deployment with conditional dependencies can be managed by a simple json/</a:t>
+            </a:r>
+            <a:r>
+              <a:rPr lang="en-US" dirty="0" err="1"/>
+              <a:t>yaml</a:t>
+            </a:r>
+            <a:r>
+              <a:rPr lang="en-US" dirty="0"/>
+              <a:t>  DSL .</a:t>
+            </a:r>
+          </a:p>
+          <a:p>
+            <a:pPr marL="285750" indent="-285750" algn="just">
+              <a:buFont typeface="Arial" panose="020B0604020202020204" pitchFamily="34" charset="0"/>
+              <a:buChar char="•"/>
+            </a:pPr>
+            <a:endParaRPr lang="en-US" dirty="0"/>
+          </a:p>
+          <a:p>
+            <a:pPr marL="285750" indent="-285750" algn="just">
+              <a:buFont typeface="Arial" panose="020B0604020202020204" pitchFamily="34" charset="0"/>
+              <a:buChar char="•"/>
+            </a:pPr>
+            <a:r>
+              <a:rPr lang="en-US" dirty="0"/>
+              <a:t>Can create various constructs that can be used to deploy streamlined workflows to create complex applications stacks with a very well defined rule-set.</a:t>
+            </a:r>
+            <a:endParaRPr lang="en-IN" dirty="0"/>
+          </a:p>
+          <a:p>
+            <a:pPr marL="285750" indent="-285750" algn="just">
+              <a:buFont typeface="Arial" panose="020B0604020202020204" pitchFamily="34" charset="0"/>
+              <a:buChar char="•"/>
+            </a:pPr>
+            <a:endParaRPr lang="en-IN" dirty="0"/>
+          </a:p>
+          <a:p>
+            <a:pPr algn="just"/>
+            <a:endParaRPr lang="en-IN" dirty="0"/>
+          </a:p>
+          <a:p>
+            <a:pPr marL="285750" indent="-285750" algn="just">
+              <a:buFont typeface="Arial" panose="020B0604020202020204" pitchFamily="34" charset="0"/>
+              <a:buChar char="•"/>
+            </a:pPr>
+            <a:endParaRPr lang="en-IN" sz="1400" b="1" u="sng" dirty="0"/>
+          </a:p>
+          <a:p>
+            <a:pPr algn="just"/>
+            <a:endParaRPr lang="en-US" sz="1400" b="1" u="sng" dirty="0"/>
+          </a:p>
+        </p:txBody>
+      </p:sp>
+    </p:spTree>
+    <p:extLst>
+      <p:ext uri="{BB962C8B-B14F-4D97-AF65-F5344CB8AC3E}">
+        <p14:creationId xmlns:p14="http://schemas.microsoft.com/office/powerpoint/2010/main" val="4045755653"/>
+      </p:ext>
+    </p:extLst>
+  </p:cSld>
+  <p:clrMapOvr>
+    <a:masterClrMapping/>
+  </p:clrMapOvr>
+</p:sld>
+</file>
+
+<file path=ppt/slides/slide6.xml><?xml version="1.0" encoding="utf-8"?>
+<p:sld xmlns:a="http://schemas.openxmlformats.org/drawingml/2006/main" xmlns:r="http://schemas.openxmlformats.org/officeDocument/2006/relationships" xmlns:p="http://schemas.openxmlformats.org/presentationml/2006/main">
+  <p:cSld>
+    <p:spTree>
+      <p:nvGrpSpPr>
+        <p:cNvPr id="1" name=""/>
+        <p:cNvGrpSpPr/>
+        <p:nvPr/>
+      </p:nvGrpSpPr>
+      <p:grpSpPr>
+        <a:xfrm>
+          <a:off x="0" y="0"/>
+          <a:ext cx="0" cy="0"/>
+          <a:chOff x="0" y="0"/>
+          <a:chExt cx="0" cy="0"/>
+        </a:xfrm>
+      </p:grpSpPr>
+      <p:sp>
+        <p:nvSpPr>
           <p:cNvPr id="5" name="TextBox 4">
             <a:extLst>
               <a:ext uri="{FF2B5EF4-FFF2-40B4-BE49-F238E27FC236}">
@@ -35785,8 +36436,16 @@
       </p:sp>
       <p:pic>
         <p:nvPicPr>
-          <p:cNvPr id="4" name="Picture 3"/>
-          <p:cNvPicPr/>
+          <p:cNvPr id="3" name="Picture 2" descr="A picture containing screenshot&#10;&#10;Description automatically generated">
+            <a:extLst>
+              <a:ext uri="{FF2B5EF4-FFF2-40B4-BE49-F238E27FC236}">
+                <a16:creationId xmlns:a16="http://schemas.microsoft.com/office/drawing/2014/main" id="{A4925AF9-F3DC-4BE1-ADF2-3D2346CD6C67}"/>
+              </a:ext>
+            </a:extLst>
+          </p:cNvPr>
+          <p:cNvPicPr>
+            <a:picLocks noChangeAspect="1"/>
+          </p:cNvPicPr>
           <p:nvPr/>
         </p:nvPicPr>
         <p:blipFill>
@@ -35797,8 +36456,8 @@
         </p:blipFill>
         <p:spPr>
           <a:xfrm>
-            <a:off x="1023257" y="1032192"/>
-            <a:ext cx="7043057" cy="3681322"/>
+            <a:off x="621011" y="1584493"/>
+            <a:ext cx="7892448" cy="2280265"/>
           </a:xfrm>
           <a:prstGeom prst="rect">
             <a:avLst/>
@@ -35818,7 +36477,164 @@
 </p:sld>
 </file>
 
-<file path=ppt/slides/slide6.xml><?xml version="1.0" encoding="utf-8"?>
+<file path=ppt/slides/slide7.xml><?xml version="1.0" encoding="utf-8"?>
+<p:sld xmlns:a="http://schemas.openxmlformats.org/drawingml/2006/main" xmlns:r="http://schemas.openxmlformats.org/officeDocument/2006/relationships" xmlns:p="http://schemas.openxmlformats.org/presentationml/2006/main">
+  <p:cSld>
+    <p:spTree>
+      <p:nvGrpSpPr>
+        <p:cNvPr id="1" name=""/>
+        <p:cNvGrpSpPr/>
+        <p:nvPr/>
+      </p:nvGrpSpPr>
+      <p:grpSpPr>
+        <a:xfrm>
+          <a:off x="0" y="0"/>
+          <a:ext cx="0" cy="0"/>
+          <a:chOff x="0" y="0"/>
+          <a:chExt cx="0" cy="0"/>
+        </a:xfrm>
+      </p:grpSpPr>
+      <p:sp>
+        <p:nvSpPr>
+          <p:cNvPr id="5" name="TextBox 4">
+            <a:extLst>
+              <a:ext uri="{FF2B5EF4-FFF2-40B4-BE49-F238E27FC236}">
+                <a16:creationId xmlns:a16="http://schemas.microsoft.com/office/drawing/2014/main" id="{83CC51E3-E419-4AB1-8316-5C2835430B1C}"/>
+              </a:ext>
+            </a:extLst>
+          </p:cNvPr>
+          <p:cNvSpPr txBox="1"/>
+          <p:nvPr/>
+        </p:nvSpPr>
+        <p:spPr>
+          <a:xfrm>
+            <a:off x="542925" y="179457"/>
+            <a:ext cx="8058148" cy="369332"/>
+          </a:xfrm>
+          <a:prstGeom prst="rect">
+            <a:avLst/>
+          </a:prstGeom>
+        </p:spPr>
+        <p:style>
+          <a:lnRef idx="0">
+            <a:schemeClr val="dk1"/>
+          </a:lnRef>
+          <a:fillRef idx="3">
+            <a:schemeClr val="dk1"/>
+          </a:fillRef>
+          <a:effectRef idx="3">
+            <a:schemeClr val="dk1"/>
+          </a:effectRef>
+          <a:fontRef idx="minor">
+            <a:schemeClr val="lt1"/>
+          </a:fontRef>
+        </p:style>
+        <p:txBody>
+          <a:bodyPr wrap="square" rtlCol="0" anchor="ctr">
+            <a:spAutoFit/>
+          </a:bodyPr>
+          <a:lstStyle/>
+          <a:p>
+            <a:r>
+              <a:rPr lang="en-US" sz="1800" dirty="0">
+                <a:latin typeface="+mn-lt"/>
+              </a:rPr>
+              <a:t>What was accomplished </a:t>
+            </a:r>
+          </a:p>
+        </p:txBody>
+      </p:sp>
+      <p:sp>
+        <p:nvSpPr>
+          <p:cNvPr id="14" name="Rectangle 13">
+            <a:extLst>
+              <a:ext uri="{FF2B5EF4-FFF2-40B4-BE49-F238E27FC236}">
+                <a16:creationId xmlns:a16="http://schemas.microsoft.com/office/drawing/2014/main" id="{A33384C4-2658-4867-9748-8E3E227C174C}"/>
+              </a:ext>
+            </a:extLst>
+          </p:cNvPr>
+          <p:cNvSpPr/>
+          <p:nvPr/>
+        </p:nvSpPr>
+        <p:spPr>
+          <a:xfrm>
+            <a:off x="533398" y="680484"/>
+            <a:ext cx="8067675" cy="4348715"/>
+          </a:xfrm>
+          <a:prstGeom prst="rect">
+            <a:avLst/>
+          </a:prstGeom>
+        </p:spPr>
+        <p:style>
+          <a:lnRef idx="2">
+            <a:schemeClr val="accent5"/>
+          </a:lnRef>
+          <a:fillRef idx="1">
+            <a:schemeClr val="lt1"/>
+          </a:fillRef>
+          <a:effectRef idx="0">
+            <a:schemeClr val="accent5"/>
+          </a:effectRef>
+          <a:fontRef idx="minor">
+            <a:schemeClr val="dk1"/>
+          </a:fontRef>
+        </p:style>
+        <p:txBody>
+          <a:bodyPr rtlCol="0" anchor="t"/>
+          <a:lstStyle/>
+          <a:p>
+            <a:pPr algn="just"/>
+            <a:r>
+              <a:rPr lang="en-IN" sz="1400" b="1" i="1" dirty="0"/>
+              <a:t>Solution Flow Diagram</a:t>
+            </a:r>
+          </a:p>
+        </p:txBody>
+      </p:sp>
+      <p:pic>
+        <p:nvPicPr>
+          <p:cNvPr id="4" name="Picture 3" descr="A screenshot of a cell phone&#10;&#10;Description automatically generated">
+            <a:extLst>
+              <a:ext uri="{FF2B5EF4-FFF2-40B4-BE49-F238E27FC236}">
+                <a16:creationId xmlns:a16="http://schemas.microsoft.com/office/drawing/2014/main" id="{163C4395-8BEB-4DE4-9D78-3A4D08D6419F}"/>
+              </a:ext>
+            </a:extLst>
+          </p:cNvPr>
+          <p:cNvPicPr>
+            <a:picLocks noChangeAspect="1"/>
+          </p:cNvPicPr>
+          <p:nvPr/>
+        </p:nvPicPr>
+        <p:blipFill>
+          <a:blip r:embed="rId2"/>
+          <a:stretch>
+            <a:fillRect/>
+          </a:stretch>
+        </p:blipFill>
+        <p:spPr>
+          <a:xfrm>
+            <a:off x="542925" y="1029624"/>
+            <a:ext cx="7929522" cy="3650433"/>
+          </a:xfrm>
+          <a:prstGeom prst="rect">
+            <a:avLst/>
+          </a:prstGeom>
+        </p:spPr>
+      </p:pic>
+    </p:spTree>
+    <p:extLst>
+      <p:ext uri="{BB962C8B-B14F-4D97-AF65-F5344CB8AC3E}">
+        <p14:creationId xmlns:p14="http://schemas.microsoft.com/office/powerpoint/2010/main" val="1732621151"/>
+      </p:ext>
+    </p:extLst>
+  </p:cSld>
+  <p:clrMapOvr>
+    <a:masterClrMapping/>
+  </p:clrMapOvr>
+</p:sld>
+</file>
+
+<file path=ppt/slides/slide8.xml><?xml version="1.0" encoding="utf-8"?>
 <p:sld xmlns:a="http://schemas.openxmlformats.org/drawingml/2006/main" xmlns:r="http://schemas.openxmlformats.org/officeDocument/2006/relationships" xmlns:p="http://schemas.openxmlformats.org/presentationml/2006/main">
   <p:cSld>
     <p:spTree>
@@ -36037,7 +36853,7 @@
 </p:sld>
 </file>
 
-<file path=ppt/slides/slide7.xml><?xml version="1.0" encoding="utf-8"?>
+<file path=ppt/slides/slide9.xml><?xml version="1.0" encoding="utf-8"?>
 <p:sld xmlns:a="http://schemas.openxmlformats.org/drawingml/2006/main" xmlns:r="http://schemas.openxmlformats.org/officeDocument/2006/relationships" xmlns:p="http://schemas.openxmlformats.org/presentationml/2006/main">
   <p:cSld>
     <p:spTree>
@@ -36303,303 +37119,6 @@
     <p:extLst>
       <p:ext uri="{BB962C8B-B14F-4D97-AF65-F5344CB8AC3E}">
         <p14:creationId xmlns:p14="http://schemas.microsoft.com/office/powerpoint/2010/main" val="3645423041"/>
-      </p:ext>
-    </p:extLst>
-  </p:cSld>
-  <p:clrMapOvr>
-    <a:masterClrMapping/>
-  </p:clrMapOvr>
-</p:sld>
-</file>
-
-<file path=ppt/slides/slide8.xml><?xml version="1.0" encoding="utf-8"?>
-<p:sld xmlns:a="http://schemas.openxmlformats.org/drawingml/2006/main" xmlns:r="http://schemas.openxmlformats.org/officeDocument/2006/relationships" xmlns:p="http://schemas.openxmlformats.org/presentationml/2006/main">
-  <p:cSld>
-    <p:spTree>
-      <p:nvGrpSpPr>
-        <p:cNvPr id="1" name=""/>
-        <p:cNvGrpSpPr/>
-        <p:nvPr/>
-      </p:nvGrpSpPr>
-      <p:grpSpPr>
-        <a:xfrm>
-          <a:off x="0" y="0"/>
-          <a:ext cx="0" cy="0"/>
-          <a:chOff x="0" y="0"/>
-          <a:chExt cx="0" cy="0"/>
-        </a:xfrm>
-      </p:grpSpPr>
-      <p:sp>
-        <p:nvSpPr>
-          <p:cNvPr id="3" name="Slide Number Placeholder 2">
-            <a:extLst>
-              <a:ext uri="{FF2B5EF4-FFF2-40B4-BE49-F238E27FC236}">
-                <a16:creationId xmlns:a16="http://schemas.microsoft.com/office/drawing/2014/main" id="{C4D5B0DF-8DE8-4B71-A5B3-ABAD426B6B3C}"/>
-              </a:ext>
-            </a:extLst>
-          </p:cNvPr>
-          <p:cNvSpPr>
-            <a:spLocks noGrp="1"/>
-          </p:cNvSpPr>
-          <p:nvPr>
-            <p:ph type="sldNum" sz="quarter" idx="12"/>
-          </p:nvPr>
-        </p:nvSpPr>
-        <p:spPr/>
-        <p:txBody>
-          <a:bodyPr/>
-          <a:lstStyle/>
-          <a:p>
-            <a:fld id="{E2AE00C7-03E7-4577-B962-8354EB140FE3}" type="slidenum">
-              <a:rPr lang="en-US" smtClean="0"/>
-              <a:pPr/>
-              <a:t>8</a:t>
-            </a:fld>
-            <a:endParaRPr lang="en-US" dirty="0"/>
-          </a:p>
-        </p:txBody>
-      </p:sp>
-      <p:pic>
-        <p:nvPicPr>
-          <p:cNvPr id="4" name="Picture 3">
-            <a:extLst>
-              <a:ext uri="{FF2B5EF4-FFF2-40B4-BE49-F238E27FC236}">
-                <a16:creationId xmlns:a16="http://schemas.microsoft.com/office/drawing/2014/main" id="{42B979D2-BEED-49B1-BDA7-9A8717400023}"/>
-              </a:ext>
-            </a:extLst>
-          </p:cNvPr>
-          <p:cNvPicPr>
-            <a:picLocks noChangeAspect="1"/>
-          </p:cNvPicPr>
-          <p:nvPr/>
-        </p:nvPicPr>
-        <p:blipFill>
-          <a:blip r:embed="rId2"/>
-          <a:stretch>
-            <a:fillRect/>
-          </a:stretch>
-        </p:blipFill>
-        <p:spPr>
-          <a:xfrm>
-            <a:off x="254775" y="1385381"/>
-            <a:ext cx="8634449" cy="2372737"/>
-          </a:xfrm>
-          <a:prstGeom prst="rect">
-            <a:avLst/>
-          </a:prstGeom>
-        </p:spPr>
-      </p:pic>
-      <p:sp>
-        <p:nvSpPr>
-          <p:cNvPr id="5" name="TextBox 4">
-            <a:extLst>
-              <a:ext uri="{FF2B5EF4-FFF2-40B4-BE49-F238E27FC236}">
-                <a16:creationId xmlns:a16="http://schemas.microsoft.com/office/drawing/2014/main" id="{76D38362-0A3E-41B8-87C1-46862116FD03}"/>
-              </a:ext>
-            </a:extLst>
-          </p:cNvPr>
-          <p:cNvSpPr txBox="1"/>
-          <p:nvPr/>
-        </p:nvSpPr>
-        <p:spPr>
-          <a:xfrm>
-            <a:off x="375401" y="696143"/>
-            <a:ext cx="8058148" cy="369332"/>
-          </a:xfrm>
-          <a:prstGeom prst="rect">
-            <a:avLst/>
-          </a:prstGeom>
-        </p:spPr>
-        <p:style>
-          <a:lnRef idx="0">
-            <a:schemeClr val="dk1"/>
-          </a:lnRef>
-          <a:fillRef idx="3">
-            <a:schemeClr val="dk1"/>
-          </a:fillRef>
-          <a:effectRef idx="3">
-            <a:schemeClr val="dk1"/>
-          </a:effectRef>
-          <a:fontRef idx="minor">
-            <a:schemeClr val="lt1"/>
-          </a:fontRef>
-        </p:style>
-        <p:txBody>
-          <a:bodyPr wrap="square" rtlCol="0" anchor="ctr">
-            <a:spAutoFit/>
-          </a:bodyPr>
-          <a:lstStyle/>
-          <a:p>
-            <a:r>
-              <a:rPr lang="en-US" sz="1800" dirty="0">
-                <a:latin typeface="+mn-lt"/>
-              </a:rPr>
-              <a:t>Screenshots(The Frontend) </a:t>
-            </a:r>
-          </a:p>
-        </p:txBody>
-      </p:sp>
-    </p:spTree>
-    <p:extLst>
-      <p:ext uri="{BB962C8B-B14F-4D97-AF65-F5344CB8AC3E}">
-        <p14:creationId xmlns:p14="http://schemas.microsoft.com/office/powerpoint/2010/main" val="310595405"/>
-      </p:ext>
-    </p:extLst>
-  </p:cSld>
-  <p:clrMapOvr>
-    <a:masterClrMapping/>
-  </p:clrMapOvr>
-</p:sld>
-</file>
-
-<file path=ppt/slides/slide9.xml><?xml version="1.0" encoding="utf-8"?>
-<p:sld xmlns:a="http://schemas.openxmlformats.org/drawingml/2006/main" xmlns:r="http://schemas.openxmlformats.org/officeDocument/2006/relationships" xmlns:p="http://schemas.openxmlformats.org/presentationml/2006/main">
-  <p:cSld>
-    <p:spTree>
-      <p:nvGrpSpPr>
-        <p:cNvPr id="1" name=""/>
-        <p:cNvGrpSpPr/>
-        <p:nvPr/>
-      </p:nvGrpSpPr>
-      <p:grpSpPr>
-        <a:xfrm>
-          <a:off x="0" y="0"/>
-          <a:ext cx="0" cy="0"/>
-          <a:chOff x="0" y="0"/>
-          <a:chExt cx="0" cy="0"/>
-        </a:xfrm>
-      </p:grpSpPr>
-      <p:sp>
-        <p:nvSpPr>
-          <p:cNvPr id="5" name="TextBox 4">
-            <a:extLst>
-              <a:ext uri="{FF2B5EF4-FFF2-40B4-BE49-F238E27FC236}">
-                <a16:creationId xmlns:a16="http://schemas.microsoft.com/office/drawing/2014/main" id="{83CC51E3-E419-4AB1-8316-5C2835430B1C}"/>
-              </a:ext>
-            </a:extLst>
-          </p:cNvPr>
-          <p:cNvSpPr txBox="1"/>
-          <p:nvPr/>
-        </p:nvSpPr>
-        <p:spPr>
-          <a:xfrm>
-            <a:off x="542925" y="179457"/>
-            <a:ext cx="8058148" cy="369332"/>
-          </a:xfrm>
-          <a:prstGeom prst="rect">
-            <a:avLst/>
-          </a:prstGeom>
-        </p:spPr>
-        <p:style>
-          <a:lnRef idx="0">
-            <a:schemeClr val="dk1"/>
-          </a:lnRef>
-          <a:fillRef idx="3">
-            <a:schemeClr val="dk1"/>
-          </a:fillRef>
-          <a:effectRef idx="3">
-            <a:schemeClr val="dk1"/>
-          </a:effectRef>
-          <a:fontRef idx="minor">
-            <a:schemeClr val="lt1"/>
-          </a:fontRef>
-        </p:style>
-        <p:txBody>
-          <a:bodyPr wrap="square" rtlCol="0" anchor="ctr">
-            <a:spAutoFit/>
-          </a:bodyPr>
-          <a:lstStyle/>
-          <a:p>
-            <a:r>
-              <a:rPr lang="en-US" sz="1800" dirty="0">
-                <a:latin typeface="+mn-lt"/>
-              </a:rPr>
-              <a:t>Screenshots(Workflow Process) </a:t>
-            </a:r>
-          </a:p>
-        </p:txBody>
-      </p:sp>
-      <p:sp>
-        <p:nvSpPr>
-          <p:cNvPr id="14" name="Rectangle 13">
-            <a:extLst>
-              <a:ext uri="{FF2B5EF4-FFF2-40B4-BE49-F238E27FC236}">
-                <a16:creationId xmlns:a16="http://schemas.microsoft.com/office/drawing/2014/main" id="{A33384C4-2658-4867-9748-8E3E227C174C}"/>
-              </a:ext>
-            </a:extLst>
-          </p:cNvPr>
-          <p:cNvSpPr/>
-          <p:nvPr/>
-        </p:nvSpPr>
-        <p:spPr>
-          <a:xfrm>
-            <a:off x="533398" y="1126845"/>
-            <a:ext cx="8067675" cy="3424642"/>
-          </a:xfrm>
-          <a:prstGeom prst="rect">
-            <a:avLst/>
-          </a:prstGeom>
-        </p:spPr>
-        <p:style>
-          <a:lnRef idx="2">
-            <a:schemeClr val="accent5"/>
-          </a:lnRef>
-          <a:fillRef idx="1">
-            <a:schemeClr val="lt1"/>
-          </a:fillRef>
-          <a:effectRef idx="0">
-            <a:schemeClr val="accent5"/>
-          </a:effectRef>
-          <a:fontRef idx="minor">
-            <a:schemeClr val="dk1"/>
-          </a:fontRef>
-        </p:style>
-        <p:txBody>
-          <a:bodyPr rtlCol="0" anchor="t"/>
-          <a:lstStyle/>
-          <a:p>
-            <a:pPr marL="171450" indent="-171450" algn="just">
-              <a:buFont typeface="Arial" panose="020B0604020202020204" pitchFamily="34" charset="0"/>
-              <a:buChar char="•"/>
-            </a:pPr>
-            <a:endParaRPr lang="en-IN" sz="1100" i="1" dirty="0"/>
-          </a:p>
-        </p:txBody>
-      </p:sp>
-      <p:pic>
-        <p:nvPicPr>
-          <p:cNvPr id="2" name="Picture 1"/>
-          <p:cNvPicPr>
-            <a:picLocks noChangeAspect="1"/>
-          </p:cNvPicPr>
-          <p:nvPr/>
-        </p:nvPicPr>
-        <p:blipFill>
-          <a:blip r:embed="rId3">
-            <a:extLst>
-              <a:ext uri="{28A0092B-C50C-407E-A947-70E740481C1C}">
-                <a14:useLocalDpi xmlns:a14="http://schemas.microsoft.com/office/drawing/2010/main" val="0"/>
-              </a:ext>
-            </a:extLst>
-          </a:blip>
-          <a:stretch>
-            <a:fillRect/>
-          </a:stretch>
-        </p:blipFill>
-        <p:spPr>
-          <a:xfrm>
-            <a:off x="542925" y="1126845"/>
-            <a:ext cx="8058148" cy="3424642"/>
-          </a:xfrm>
-          <a:prstGeom prst="rect">
-            <a:avLst/>
-          </a:prstGeom>
-        </p:spPr>
-      </p:pic>
-    </p:spTree>
-    <p:extLst>
-      <p:ext uri="{BB962C8B-B14F-4D97-AF65-F5344CB8AC3E}">
-        <p14:creationId xmlns:p14="http://schemas.microsoft.com/office/powerpoint/2010/main" val="2442003819"/>
       </p:ext>
     </p:extLst>
   </p:cSld>
@@ -37860,18 +38379,18 @@
 </file>
 
 <file path=customXml/item2.xml><?xml version="1.0" encoding="utf-8"?>
-<p:properties xmlns:p="http://schemas.microsoft.com/office/2006/metadata/properties" xmlns:xsi="http://www.w3.org/2001/XMLSchema-instance">
-  <documentManagement/>
-</p:properties>
-</file>
-
-<file path=customXml/item3.xml><?xml version="1.0" encoding="utf-8"?>
 <?mso-contentType ?>
 <FormTemplates xmlns="http://schemas.microsoft.com/sharepoint/v3/contenttype/forms">
   <Display>DocumentLibraryForm</Display>
   <Edit>DocumentLibraryForm</Edit>
   <New>DocumentLibraryForm</New>
 </FormTemplates>
+</file>
+
+<file path=customXml/item3.xml><?xml version="1.0" encoding="utf-8"?>
+<p:properties xmlns:p="http://schemas.microsoft.com/office/2006/metadata/properties" xmlns:xsi="http://www.w3.org/2001/XMLSchema-instance">
+  <documentManagement/>
+</p:properties>
 </file>
 
 <file path=customXml/itemProps1.xml><?xml version="1.0" encoding="utf-8"?>
@@ -37893,6 +38412,14 @@
 </file>
 
 <file path=customXml/itemProps2.xml><?xml version="1.0" encoding="utf-8"?>
+<ds:datastoreItem xmlns:ds="http://schemas.openxmlformats.org/officeDocument/2006/customXml" ds:itemID="{8ABB6DC8-0142-4676-96FE-F1693BA95046}">
+  <ds:schemaRefs>
+    <ds:schemaRef ds:uri="http://schemas.microsoft.com/sharepoint/v3/contenttype/forms"/>
+  </ds:schemaRefs>
+</ds:datastoreItem>
+</file>
+
+<file path=customXml/itemProps3.xml><?xml version="1.0" encoding="utf-8"?>
 <ds:datastoreItem xmlns:ds="http://schemas.openxmlformats.org/officeDocument/2006/customXml" ds:itemID="{24559248-63FA-4C6E-A37D-96FF4426E5C5}">
   <ds:schemaRefs>
     <ds:schemaRef ds:uri="http://schemas.microsoft.com/office/2006/metadata/properties"/>
@@ -37906,12 +38433,4 @@
     <ds:schemaRef ds:uri="http://www.w3.org/XML/1998/namespace"/>
   </ds:schemaRefs>
 </ds:datastoreItem>
-</file>
-
-<file path=customXml/itemProps3.xml><?xml version="1.0" encoding="utf-8"?>
-<ds:datastoreItem xmlns:ds="http://schemas.openxmlformats.org/officeDocument/2006/customXml" ds:itemID="{8ABB6DC8-0142-4676-96FE-F1693BA95046}">
-  <ds:schemaRefs>
-    <ds:schemaRef ds:uri="http://schemas.microsoft.com/sharepoint/v3/contenttype/forms"/>
-  </ds:schemaRefs>
-</ds:datastoreItem>
 </file>